--- a/OAuth.pptx
+++ b/OAuth.pptx
@@ -5,7 +5,7 @@
     <p:sldMasterId id="2147483672" r:id="rId1"/>
   </p:sldMasterIdLst>
   <p:notesMasterIdLst>
-    <p:notesMasterId r:id="rId8"/>
+    <p:notesMasterId r:id="rId10"/>
   </p:notesMasterIdLst>
   <p:sldIdLst>
     <p:sldId id="256" r:id="rId2"/>
@@ -14,6 +14,8 @@
     <p:sldId id="259" r:id="rId5"/>
     <p:sldId id="260" r:id="rId6"/>
     <p:sldId id="261" r:id="rId7"/>
+    <p:sldId id="262" r:id="rId8"/>
+    <p:sldId id="263" r:id="rId9"/>
   </p:sldIdLst>
   <p:sldSz cx="9144000" cy="6858000" type="screen4x3"/>
   <p:notesSz cx="6858000" cy="9144000"/>
@@ -4289,7 +4291,7 @@
           <a:lstStyle/>
           <a:p>
             <a:r>
-              <a:rPr lang="en-US" sz="4800" dirty="0" err="1" smtClean="0"/>
+              <a:rPr lang="en-US" sz="4800" dirty="0" err="1"/>
               <a:t>oauth</a:t>
             </a:r>
             <a:endParaRPr lang="en-US" sz="4800" dirty="0"/>
@@ -4380,10 +4382,9 @@
           <a:lstStyle/>
           <a:p>
             <a:r>
-              <a:rPr lang="en-US" dirty="0" smtClean="0"/>
+              <a:rPr lang="en-US" dirty="0"/>
               <a:t>What is OAuth ?</a:t>
             </a:r>
-            <a:endParaRPr lang="en-US" dirty="0"/>
           </a:p>
         </p:txBody>
       </p:sp>
@@ -4403,7 +4404,7 @@
           <a:lstStyle/>
           <a:p>
             <a:r>
-              <a:rPr lang="en-US" smtClean="0"/>
+              <a:rPr lang="en-US"/>
               <a:t>© 2016 Ori Calvo</a:t>
             </a:r>
             <a:endParaRPr lang="en-US" dirty="0"/>
@@ -4452,34 +4453,29 @@
           <a:lstStyle/>
           <a:p>
             <a:r>
-              <a:rPr lang="en-US" dirty="0" smtClean="0"/>
-              <a:t>Open protocol to allow secure API </a:t>
-            </a:r>
-            <a:r>
-              <a:rPr lang="en-US" dirty="0" smtClean="0"/>
-              <a:t>authorization</a:t>
-            </a:r>
-          </a:p>
-          <a:p>
-            <a:r>
-              <a:rPr lang="en-US" dirty="0" smtClean="0"/>
+              <a:rPr lang="en-US" dirty="0"/>
+              <a:t>Open protocol to allow secure API authorization</a:t>
+            </a:r>
+          </a:p>
+          <a:p>
+            <a:r>
+              <a:rPr lang="en-US" dirty="0"/>
               <a:t>Allows 3</a:t>
             </a:r>
             <a:r>
-              <a:rPr lang="en-US" baseline="30000" dirty="0" smtClean="0"/>
+              <a:rPr lang="en-US" baseline="30000" dirty="0"/>
               <a:t>rd</a:t>
             </a:r>
             <a:r>
-              <a:rPr lang="en-US" dirty="0" smtClean="0"/>
+              <a:rPr lang="en-US" dirty="0"/>
               <a:t> party application to grant limited access to an HTTP service</a:t>
             </a:r>
           </a:p>
           <a:p>
             <a:r>
-              <a:rPr lang="en-US" dirty="0" smtClean="0"/>
+              <a:rPr lang="en-US" dirty="0"/>
               <a:t>Access is requested by client </a:t>
             </a:r>
-            <a:endParaRPr lang="en-US" dirty="0"/>
           </a:p>
         </p:txBody>
       </p:sp>
@@ -4529,10 +4525,9 @@
           <a:lstStyle/>
           <a:p>
             <a:r>
-              <a:rPr lang="en-US" dirty="0" smtClean="0"/>
+              <a:rPr lang="en-US" dirty="0"/>
               <a:t>Ingredients</a:t>
             </a:r>
-            <a:endParaRPr lang="en-US" dirty="0"/>
           </a:p>
         </p:txBody>
       </p:sp>
@@ -4552,7 +4547,7 @@
           <a:lstStyle/>
           <a:p>
             <a:r>
-              <a:rPr lang="en-US" smtClean="0"/>
+              <a:rPr lang="en-US"/>
               <a:t>© 2016 Ori Calvo</a:t>
             </a:r>
             <a:endParaRPr lang="en-US" dirty="0"/>
@@ -4601,28 +4596,27 @@
           <a:lstStyle/>
           <a:p>
             <a:r>
-              <a:rPr lang="en-US" dirty="0" smtClean="0"/>
+              <a:rPr lang="en-US" dirty="0"/>
               <a:t>Resource owner – Yourself</a:t>
             </a:r>
           </a:p>
           <a:p>
             <a:r>
-              <a:rPr lang="en-US" dirty="0" smtClean="0"/>
+              <a:rPr lang="en-US" dirty="0"/>
               <a:t>Resource server – Server hosting protected data, (Google, Facebook)</a:t>
             </a:r>
           </a:p>
           <a:p>
             <a:r>
-              <a:rPr lang="en-US" dirty="0" smtClean="0"/>
+              <a:rPr lang="en-US" dirty="0"/>
               <a:t>Client – Application requesting access to resource server (Web site, JavaScript, Mobile app</a:t>
             </a:r>
           </a:p>
           <a:p>
             <a:r>
-              <a:rPr lang="en-US" dirty="0" smtClean="0"/>
+              <a:rPr lang="en-US" dirty="0"/>
               <a:t>Authorization server – Server issuing access token to the client</a:t>
             </a:r>
-            <a:endParaRPr lang="en-US" dirty="0"/>
           </a:p>
         </p:txBody>
       </p:sp>
@@ -4672,10 +4666,9 @@
           <a:lstStyle/>
           <a:p>
             <a:r>
-              <a:rPr lang="en-US" dirty="0" smtClean="0"/>
+              <a:rPr lang="en-US" dirty="0"/>
               <a:t>Access Token</a:t>
             </a:r>
-            <a:endParaRPr lang="en-US" dirty="0"/>
           </a:p>
         </p:txBody>
       </p:sp>
@@ -4695,7 +4688,7 @@
           <a:lstStyle/>
           <a:p>
             <a:r>
-              <a:rPr lang="en-US" smtClean="0"/>
+              <a:rPr lang="en-US"/>
               <a:t>© 2016 Ori Calvo</a:t>
             </a:r>
             <a:endParaRPr lang="en-US" dirty="0"/>
@@ -4744,28 +4737,27 @@
           <a:lstStyle/>
           <a:p>
             <a:r>
-              <a:rPr lang="en-US" dirty="0" smtClean="0"/>
+              <a:rPr lang="en-US" dirty="0"/>
               <a:t>Random string generated by authorization server</a:t>
             </a:r>
           </a:p>
           <a:p>
             <a:r>
-              <a:rPr lang="en-US" dirty="0" smtClean="0"/>
+              <a:rPr lang="en-US" dirty="0"/>
               <a:t>Is sent by the client inside the request to the resource server</a:t>
             </a:r>
           </a:p>
           <a:p>
             <a:r>
-              <a:rPr lang="en-US" dirty="0" smtClean="0"/>
+              <a:rPr lang="en-US" dirty="0"/>
               <a:t>Has limited lifetime</a:t>
             </a:r>
           </a:p>
           <a:p>
             <a:r>
-              <a:rPr lang="en-US" dirty="0" smtClean="0"/>
+              <a:rPr lang="en-US" dirty="0"/>
               <a:t>Should be kept confidential</a:t>
             </a:r>
-            <a:endParaRPr lang="en-US" dirty="0"/>
           </a:p>
         </p:txBody>
       </p:sp>
@@ -4815,10 +4807,9 @@
           <a:lstStyle/>
           <a:p>
             <a:r>
-              <a:rPr lang="en-US" dirty="0" smtClean="0"/>
+              <a:rPr lang="en-US" dirty="0"/>
               <a:t>Refresh Token</a:t>
             </a:r>
-            <a:endParaRPr lang="en-US" dirty="0"/>
           </a:p>
         </p:txBody>
       </p:sp>
@@ -4838,7 +4829,7 @@
           <a:lstStyle/>
           <a:p>
             <a:r>
-              <a:rPr lang="en-US" smtClean="0"/>
+              <a:rPr lang="en-US"/>
               <a:t>© 2016 Ori Calvo</a:t>
             </a:r>
             <a:endParaRPr lang="en-US" dirty="0"/>
@@ -4887,28 +4878,27 @@
           <a:lstStyle/>
           <a:p>
             <a:r>
-              <a:rPr lang="en-US" dirty="0" smtClean="0"/>
+              <a:rPr lang="en-US" dirty="0"/>
               <a:t>Is issued with the access token</a:t>
             </a:r>
           </a:p>
           <a:p>
             <a:r>
-              <a:rPr lang="en-US" dirty="0" smtClean="0"/>
+              <a:rPr lang="en-US" dirty="0"/>
               <a:t>It is not sent in each request to the resource server</a:t>
             </a:r>
           </a:p>
           <a:p>
             <a:r>
-              <a:rPr lang="en-US" dirty="0" smtClean="0"/>
+              <a:rPr lang="en-US" dirty="0"/>
               <a:t>It is sent to the authorization server for renewing the access token</a:t>
             </a:r>
           </a:p>
           <a:p>
             <a:r>
-              <a:rPr lang="en-US" dirty="0" smtClean="0"/>
+              <a:rPr lang="en-US" dirty="0"/>
               <a:t>It is not always possible to obtain this token</a:t>
             </a:r>
-            <a:endParaRPr lang="en-US" dirty="0"/>
           </a:p>
         </p:txBody>
       </p:sp>
@@ -4958,10 +4948,9 @@
           <a:lstStyle/>
           <a:p>
             <a:r>
-              <a:rPr lang="en-US" dirty="0" smtClean="0"/>
+              <a:rPr lang="en-US" dirty="0"/>
               <a:t>Access Token Scope</a:t>
             </a:r>
-            <a:endParaRPr lang="en-US" dirty="0"/>
           </a:p>
         </p:txBody>
       </p:sp>
@@ -4981,7 +4970,7 @@
           <a:lstStyle/>
           <a:p>
             <a:r>
-              <a:rPr lang="en-US" smtClean="0"/>
+              <a:rPr lang="en-US"/>
               <a:t>© 2016 Ori Calvo</a:t>
             </a:r>
             <a:endParaRPr lang="en-US" dirty="0"/>
@@ -5030,35 +5019,35 @@
           <a:lstStyle/>
           <a:p>
             <a:r>
-              <a:rPr lang="en-US" dirty="0" smtClean="0"/>
+              <a:rPr lang="en-US" dirty="0"/>
               <a:t>A parameter used to limit the rights of the access token</a:t>
             </a:r>
           </a:p>
           <a:p>
             <a:r>
-              <a:rPr lang="en-US" dirty="0" smtClean="0"/>
+              <a:rPr lang="en-US" dirty="0"/>
               <a:t>The authorization server defined the list of available scopes</a:t>
             </a:r>
           </a:p>
           <a:p>
             <a:r>
-              <a:rPr lang="en-US" dirty="0" smtClean="0"/>
+              <a:rPr lang="en-US" dirty="0"/>
               <a:t>The client requests some scopes</a:t>
             </a:r>
           </a:p>
           <a:p>
             <a:r>
-              <a:rPr lang="en-US" dirty="0" smtClean="0"/>
+              <a:rPr lang="en-US" dirty="0"/>
               <a:t>More scope requested </a:t>
             </a:r>
             <a:r>
-              <a:rPr lang="en-US" dirty="0" smtClean="0">
+              <a:rPr lang="en-US" dirty="0">
                 <a:sym typeface="Wingdings" panose="05000000000000000000" pitchFamily="2" charset="2"/>
               </a:rPr>
               <a:t> less chance the </a:t>
             </a:r>
             <a:r>
-              <a:rPr lang="en-US" smtClean="0">
+              <a:rPr lang="en-US">
                 <a:sym typeface="Wingdings" panose="05000000000000000000" pitchFamily="2" charset="2"/>
               </a:rPr>
               <a:t>resource owner </a:t>
@@ -5071,6 +5060,384 @@
     <p:extLst>
       <p:ext uri="{BB962C8B-B14F-4D97-AF65-F5344CB8AC3E}">
         <p14:creationId xmlns:p14="http://schemas.microsoft.com/office/powerpoint/2010/main" val="3106820264"/>
+      </p:ext>
+    </p:extLst>
+  </p:cSld>
+  <p:clrMapOvr>
+    <a:masterClrMapping/>
+  </p:clrMapOvr>
+</p:sld>
+</file>
+
+<file path=ppt/slides/slide7.xml><?xml version="1.0" encoding="utf-8"?>
+<p:sld xmlns:a="http://schemas.openxmlformats.org/drawingml/2006/main" xmlns:r="http://schemas.openxmlformats.org/officeDocument/2006/relationships" xmlns:p="http://schemas.openxmlformats.org/presentationml/2006/main">
+  <p:cSld>
+    <p:spTree>
+      <p:nvGrpSpPr>
+        <p:cNvPr id="1" name=""/>
+        <p:cNvGrpSpPr/>
+        <p:nvPr/>
+      </p:nvGrpSpPr>
+      <p:grpSpPr>
+        <a:xfrm>
+          <a:off x="0" y="0"/>
+          <a:ext cx="0" cy="0"/>
+          <a:chOff x="0" y="0"/>
+          <a:chExt cx="0" cy="0"/>
+        </a:xfrm>
+      </p:grpSpPr>
+      <p:sp>
+        <p:nvSpPr>
+          <p:cNvPr id="2" name="Title 1">
+            <a:extLst>
+              <a:ext uri="{FF2B5EF4-FFF2-40B4-BE49-F238E27FC236}">
+                <a16:creationId xmlns:a16="http://schemas.microsoft.com/office/drawing/2014/main" id="{AC5EC40E-8B26-4DA9-85D9-81057B6D8343}"/>
+              </a:ext>
+            </a:extLst>
+          </p:cNvPr>
+          <p:cNvSpPr>
+            <a:spLocks noGrp="1"/>
+          </p:cNvSpPr>
+          <p:nvPr>
+            <p:ph type="title"/>
+          </p:nvPr>
+        </p:nvSpPr>
+        <p:spPr/>
+        <p:txBody>
+          <a:bodyPr/>
+          <a:lstStyle/>
+          <a:p>
+            <a:r>
+              <a:rPr lang="en-US" dirty="0"/>
+              <a:t>HTTPS</a:t>
+            </a:r>
+            <a:endParaRPr lang="he-IL" dirty="0"/>
+          </a:p>
+        </p:txBody>
+      </p:sp>
+      <p:sp>
+        <p:nvSpPr>
+          <p:cNvPr id="3" name="Footer Placeholder 2">
+            <a:extLst>
+              <a:ext uri="{FF2B5EF4-FFF2-40B4-BE49-F238E27FC236}">
+                <a16:creationId xmlns:a16="http://schemas.microsoft.com/office/drawing/2014/main" id="{5253F3B5-2880-4720-87F4-F3D9478DD1B4}"/>
+              </a:ext>
+            </a:extLst>
+          </p:cNvPr>
+          <p:cNvSpPr>
+            <a:spLocks noGrp="1"/>
+          </p:cNvSpPr>
+          <p:nvPr>
+            <p:ph type="ftr" sz="quarter" idx="11"/>
+          </p:nvPr>
+        </p:nvSpPr>
+        <p:spPr/>
+        <p:txBody>
+          <a:bodyPr/>
+          <a:lstStyle/>
+          <a:p>
+            <a:r>
+              <a:rPr lang="en-US"/>
+              <a:t>© 2016 Ori Calvo</a:t>
+            </a:r>
+            <a:endParaRPr lang="en-US" dirty="0"/>
+          </a:p>
+        </p:txBody>
+      </p:sp>
+      <p:sp>
+        <p:nvSpPr>
+          <p:cNvPr id="4" name="Slide Number Placeholder 3">
+            <a:extLst>
+              <a:ext uri="{FF2B5EF4-FFF2-40B4-BE49-F238E27FC236}">
+                <a16:creationId xmlns:a16="http://schemas.microsoft.com/office/drawing/2014/main" id="{F24810CB-D6B4-4008-B139-06CB69785651}"/>
+              </a:ext>
+            </a:extLst>
+          </p:cNvPr>
+          <p:cNvSpPr>
+            <a:spLocks noGrp="1"/>
+          </p:cNvSpPr>
+          <p:nvPr>
+            <p:ph type="sldNum" sz="quarter" idx="12"/>
+          </p:nvPr>
+        </p:nvSpPr>
+        <p:spPr/>
+        <p:txBody>
+          <a:bodyPr>
+            <a:normAutofit fontScale="85000" lnSpcReduction="20000"/>
+          </a:bodyPr>
+          <a:lstStyle/>
+          <a:p>
+            <a:fld id="{6EDEC3BC-0694-4586-AE63-02B4D54ABF43}" type="slidenum">
+              <a:rPr lang="en-US" smtClean="0"/>
+              <a:pPr/>
+              <a:t>7</a:t>
+            </a:fld>
+            <a:endParaRPr lang="en-US"/>
+          </a:p>
+        </p:txBody>
+      </p:sp>
+      <p:sp>
+        <p:nvSpPr>
+          <p:cNvPr id="5" name="Content Placeholder 4">
+            <a:extLst>
+              <a:ext uri="{FF2B5EF4-FFF2-40B4-BE49-F238E27FC236}">
+                <a16:creationId xmlns:a16="http://schemas.microsoft.com/office/drawing/2014/main" id="{BAEC9C22-09A2-413F-B439-AC7952D2AE41}"/>
+              </a:ext>
+            </a:extLst>
+          </p:cNvPr>
+          <p:cNvSpPr>
+            <a:spLocks noGrp="1"/>
+          </p:cNvSpPr>
+          <p:nvPr>
+            <p:ph sz="quarter" idx="1"/>
+          </p:nvPr>
+        </p:nvSpPr>
+        <p:spPr/>
+        <p:txBody>
+          <a:bodyPr/>
+          <a:lstStyle/>
+          <a:p>
+            <a:r>
+              <a:rPr lang="en-US" dirty="0"/>
+              <a:t>Not a must </a:t>
+            </a:r>
+          </a:p>
+          <a:p>
+            <a:r>
+              <a:rPr lang="en-US" dirty="0"/>
+              <a:t>But practically always being used</a:t>
+            </a:r>
+          </a:p>
+          <a:p>
+            <a:r>
+              <a:rPr lang="en-US" dirty="0"/>
+              <a:t>Both token and credentials are sensitive information</a:t>
+            </a:r>
+          </a:p>
+          <a:p>
+            <a:r>
+              <a:rPr lang="en-US" dirty="0"/>
+              <a:t>Without HTTPS we are opening a big security hole</a:t>
+            </a:r>
+            <a:endParaRPr lang="he-IL" dirty="0"/>
+          </a:p>
+        </p:txBody>
+      </p:sp>
+    </p:spTree>
+    <p:extLst>
+      <p:ext uri="{BB962C8B-B14F-4D97-AF65-F5344CB8AC3E}">
+        <p14:creationId xmlns:p14="http://schemas.microsoft.com/office/powerpoint/2010/main" val="2549432506"/>
+      </p:ext>
+    </p:extLst>
+  </p:cSld>
+  <p:clrMapOvr>
+    <a:masterClrMapping/>
+  </p:clrMapOvr>
+</p:sld>
+</file>
+
+<file path=ppt/slides/slide8.xml><?xml version="1.0" encoding="utf-8"?>
+<p:sld xmlns:a="http://schemas.openxmlformats.org/drawingml/2006/main" xmlns:r="http://schemas.openxmlformats.org/officeDocument/2006/relationships" xmlns:p="http://schemas.openxmlformats.org/presentationml/2006/main">
+  <p:cSld>
+    <p:spTree>
+      <p:nvGrpSpPr>
+        <p:cNvPr id="1" name=""/>
+        <p:cNvGrpSpPr/>
+        <p:nvPr/>
+      </p:nvGrpSpPr>
+      <p:grpSpPr>
+        <a:xfrm>
+          <a:off x="0" y="0"/>
+          <a:ext cx="0" cy="0"/>
+          <a:chOff x="0" y="0"/>
+          <a:chExt cx="0" cy="0"/>
+        </a:xfrm>
+      </p:grpSpPr>
+      <p:sp>
+        <p:nvSpPr>
+          <p:cNvPr id="2" name="Title 1">
+            <a:extLst>
+              <a:ext uri="{FF2B5EF4-FFF2-40B4-BE49-F238E27FC236}">
+                <a16:creationId xmlns:a16="http://schemas.microsoft.com/office/drawing/2014/main" id="{B59EB68A-2AC6-4A20-AF5E-A94D50E6DD5D}"/>
+              </a:ext>
+            </a:extLst>
+          </p:cNvPr>
+          <p:cNvSpPr>
+            <a:spLocks noGrp="1"/>
+          </p:cNvSpPr>
+          <p:nvPr>
+            <p:ph type="title"/>
+          </p:nvPr>
+        </p:nvSpPr>
+        <p:spPr/>
+        <p:txBody>
+          <a:bodyPr/>
+          <a:lstStyle/>
+          <a:p>
+            <a:r>
+              <a:rPr lang="en-US" dirty="0"/>
+              <a:t>Registration</a:t>
+            </a:r>
+            <a:endParaRPr lang="he-IL" dirty="0"/>
+          </a:p>
+        </p:txBody>
+      </p:sp>
+      <p:sp>
+        <p:nvSpPr>
+          <p:cNvPr id="3" name="Footer Placeholder 2">
+            <a:extLst>
+              <a:ext uri="{FF2B5EF4-FFF2-40B4-BE49-F238E27FC236}">
+                <a16:creationId xmlns:a16="http://schemas.microsoft.com/office/drawing/2014/main" id="{5DEEB94C-B02C-404F-9DC3-56B7FF41645D}"/>
+              </a:ext>
+            </a:extLst>
+          </p:cNvPr>
+          <p:cNvSpPr>
+            <a:spLocks noGrp="1"/>
+          </p:cNvSpPr>
+          <p:nvPr>
+            <p:ph type="ftr" sz="quarter" idx="11"/>
+          </p:nvPr>
+        </p:nvSpPr>
+        <p:spPr/>
+        <p:txBody>
+          <a:bodyPr/>
+          <a:lstStyle/>
+          <a:p>
+            <a:r>
+              <a:rPr lang="en-US"/>
+              <a:t>© 2016 Ori Calvo</a:t>
+            </a:r>
+            <a:endParaRPr lang="en-US" dirty="0"/>
+          </a:p>
+        </p:txBody>
+      </p:sp>
+      <p:sp>
+        <p:nvSpPr>
+          <p:cNvPr id="4" name="Slide Number Placeholder 3">
+            <a:extLst>
+              <a:ext uri="{FF2B5EF4-FFF2-40B4-BE49-F238E27FC236}">
+                <a16:creationId xmlns:a16="http://schemas.microsoft.com/office/drawing/2014/main" id="{EA7DCA32-4F2F-4168-9A7E-B0519961812B}"/>
+              </a:ext>
+            </a:extLst>
+          </p:cNvPr>
+          <p:cNvSpPr>
+            <a:spLocks noGrp="1"/>
+          </p:cNvSpPr>
+          <p:nvPr>
+            <p:ph type="sldNum" sz="quarter" idx="12"/>
+          </p:nvPr>
+        </p:nvSpPr>
+        <p:spPr/>
+        <p:txBody>
+          <a:bodyPr>
+            <a:normAutofit fontScale="85000" lnSpcReduction="20000"/>
+          </a:bodyPr>
+          <a:lstStyle/>
+          <a:p>
+            <a:fld id="{6EDEC3BC-0694-4586-AE63-02B4D54ABF43}" type="slidenum">
+              <a:rPr lang="en-US" smtClean="0"/>
+              <a:pPr/>
+              <a:t>8</a:t>
+            </a:fld>
+            <a:endParaRPr lang="en-US"/>
+          </a:p>
+        </p:txBody>
+      </p:sp>
+      <p:sp>
+        <p:nvSpPr>
+          <p:cNvPr id="5" name="Content Placeholder 4">
+            <a:extLst>
+              <a:ext uri="{FF2B5EF4-FFF2-40B4-BE49-F238E27FC236}">
+                <a16:creationId xmlns:a16="http://schemas.microsoft.com/office/drawing/2014/main" id="{9BC0C487-7F6A-4DAA-BB1E-A3463C13ADED}"/>
+              </a:ext>
+            </a:extLst>
+          </p:cNvPr>
+          <p:cNvSpPr>
+            <a:spLocks noGrp="1"/>
+          </p:cNvSpPr>
+          <p:nvPr>
+            <p:ph sz="quarter" idx="1"/>
+          </p:nvPr>
+        </p:nvSpPr>
+        <p:spPr/>
+        <p:txBody>
+          <a:bodyPr>
+            <a:normAutofit fontScale="92500" lnSpcReduction="10000"/>
+          </a:bodyPr>
+          <a:lstStyle/>
+          <a:p>
+            <a:r>
+              <a:rPr lang="en-US" dirty="0"/>
+              <a:t>Client must register at the authorization server</a:t>
+            </a:r>
+          </a:p>
+          <a:p>
+            <a:r>
+              <a:rPr lang="en-US" dirty="0"/>
+              <a:t>Each provider is free to allow its own method</a:t>
+            </a:r>
+          </a:p>
+          <a:p>
+            <a:r>
+              <a:rPr lang="en-US" dirty="0"/>
+              <a:t>Usually client provides</a:t>
+            </a:r>
+          </a:p>
+          <a:p>
+            <a:pPr lvl="1"/>
+            <a:r>
+              <a:rPr lang="en-US" dirty="0"/>
+              <a:t>Name</a:t>
+            </a:r>
+          </a:p>
+          <a:p>
+            <a:pPr lvl="1"/>
+            <a:r>
+              <a:rPr lang="en-US" dirty="0"/>
+              <a:t>Redirect URLs</a:t>
+            </a:r>
+          </a:p>
+          <a:p>
+            <a:pPr lvl="1"/>
+            <a:r>
+              <a:rPr lang="en-US" dirty="0"/>
+              <a:t>Scopes</a:t>
+            </a:r>
+          </a:p>
+          <a:p>
+            <a:pPr lvl="1"/>
+            <a:r>
+              <a:rPr lang="en-US" dirty="0"/>
+              <a:t>JavaScript origin</a:t>
+            </a:r>
+          </a:p>
+          <a:p>
+            <a:r>
+              <a:rPr lang="en-US" dirty="0"/>
+              <a:t>Server responses with</a:t>
+            </a:r>
+          </a:p>
+          <a:p>
+            <a:pPr lvl="1"/>
+            <a:r>
+              <a:rPr lang="en-US" dirty="0"/>
+              <a:t>Client id</a:t>
+            </a:r>
+          </a:p>
+          <a:p>
+            <a:pPr lvl="1"/>
+            <a:r>
+              <a:rPr lang="en-US" dirty="0"/>
+              <a:t>Client secret</a:t>
+            </a:r>
+            <a:endParaRPr lang="he-IL" dirty="0"/>
+          </a:p>
+        </p:txBody>
+      </p:sp>
+    </p:spTree>
+    <p:extLst>
+      <p:ext uri="{BB962C8B-B14F-4D97-AF65-F5344CB8AC3E}">
+        <p14:creationId xmlns:p14="http://schemas.microsoft.com/office/powerpoint/2010/main" val="136954857"/>
       </p:ext>
     </p:extLst>
   </p:cSld>

--- a/OAuth.pptx
+++ b/OAuth.pptx
@@ -5,7 +5,7 @@
     <p:sldMasterId id="2147483672" r:id="rId1"/>
   </p:sldMasterIdLst>
   <p:notesMasterIdLst>
-    <p:notesMasterId r:id="rId10"/>
+    <p:notesMasterId r:id="rId19"/>
   </p:notesMasterIdLst>
   <p:sldIdLst>
     <p:sldId id="256" r:id="rId2"/>
@@ -15,7 +15,16 @@
     <p:sldId id="260" r:id="rId6"/>
     <p:sldId id="261" r:id="rId7"/>
     <p:sldId id="262" r:id="rId8"/>
-    <p:sldId id="263" r:id="rId9"/>
+    <p:sldId id="267" r:id="rId9"/>
+    <p:sldId id="268" r:id="rId10"/>
+    <p:sldId id="269" r:id="rId11"/>
+    <p:sldId id="270" r:id="rId12"/>
+    <p:sldId id="271" r:id="rId13"/>
+    <p:sldId id="272" r:id="rId14"/>
+    <p:sldId id="273" r:id="rId15"/>
+    <p:sldId id="274" r:id="rId16"/>
+    <p:sldId id="276" r:id="rId17"/>
+    <p:sldId id="275" r:id="rId18"/>
   </p:sldIdLst>
   <p:sldSz cx="9144000" cy="6858000" type="screen4x3"/>
   <p:notesSz cx="6858000" cy="9144000"/>
@@ -220,7 +229,7 @@
             <a:fld id="{4991502B-FFA8-47B9-B4E5-980CA415BAFF}" type="datetimeFigureOut">
               <a:rPr lang="en-US" smtClean="0"/>
               <a:pPr/>
-              <a:t>7/6/2017</a:t>
+              <a:t>7/7/2017</a:t>
             </a:fld>
             <a:endParaRPr lang="en-US"/>
           </a:p>
@@ -4349,6 +4358,1150 @@
 </p:sld>
 </file>
 
+<file path=ppt/slides/slide10.xml><?xml version="1.0" encoding="utf-8"?>
+<p:sld xmlns:a="http://schemas.openxmlformats.org/drawingml/2006/main" xmlns:r="http://schemas.openxmlformats.org/officeDocument/2006/relationships" xmlns:p="http://schemas.openxmlformats.org/presentationml/2006/main">
+  <p:cSld>
+    <p:spTree>
+      <p:nvGrpSpPr>
+        <p:cNvPr id="1" name=""/>
+        <p:cNvGrpSpPr/>
+        <p:nvPr/>
+      </p:nvGrpSpPr>
+      <p:grpSpPr>
+        <a:xfrm>
+          <a:off x="0" y="0"/>
+          <a:ext cx="0" cy="0"/>
+          <a:chOff x="0" y="0"/>
+          <a:chExt cx="0" cy="0"/>
+        </a:xfrm>
+      </p:grpSpPr>
+      <p:sp>
+        <p:nvSpPr>
+          <p:cNvPr id="2" name="Title 1"/>
+          <p:cNvSpPr>
+            <a:spLocks noGrp="1"/>
+          </p:cNvSpPr>
+          <p:nvPr>
+            <p:ph type="title"/>
+          </p:nvPr>
+        </p:nvSpPr>
+        <p:spPr/>
+        <p:txBody>
+          <a:bodyPr/>
+          <a:lstStyle/>
+          <a:p>
+            <a:r>
+              <a:rPr lang="en-US" dirty="0" smtClean="0"/>
+              <a:t>Authorization Code Grant</a:t>
+            </a:r>
+            <a:endParaRPr lang="en-US" dirty="0"/>
+          </a:p>
+        </p:txBody>
+      </p:sp>
+      <p:sp>
+        <p:nvSpPr>
+          <p:cNvPr id="3" name="Footer Placeholder 2"/>
+          <p:cNvSpPr>
+            <a:spLocks noGrp="1"/>
+          </p:cNvSpPr>
+          <p:nvPr>
+            <p:ph type="ftr" sz="quarter" idx="11"/>
+          </p:nvPr>
+        </p:nvSpPr>
+        <p:spPr/>
+        <p:txBody>
+          <a:bodyPr/>
+          <a:lstStyle/>
+          <a:p>
+            <a:r>
+              <a:rPr lang="en-US" smtClean="0"/>
+              <a:t>© 2016 Ori Calvo</a:t>
+            </a:r>
+            <a:endParaRPr lang="en-US" dirty="0"/>
+          </a:p>
+        </p:txBody>
+      </p:sp>
+      <p:sp>
+        <p:nvSpPr>
+          <p:cNvPr id="4" name="Slide Number Placeholder 3"/>
+          <p:cNvSpPr>
+            <a:spLocks noGrp="1"/>
+          </p:cNvSpPr>
+          <p:nvPr>
+            <p:ph type="sldNum" sz="quarter" idx="12"/>
+          </p:nvPr>
+        </p:nvSpPr>
+        <p:spPr/>
+        <p:txBody>
+          <a:bodyPr>
+            <a:normAutofit fontScale="85000" lnSpcReduction="20000"/>
+          </a:bodyPr>
+          <a:lstStyle/>
+          <a:p>
+            <a:fld id="{6EDEC3BC-0694-4586-AE63-02B4D54ABF43}" type="slidenum">
+              <a:rPr lang="en-US" smtClean="0"/>
+              <a:pPr/>
+              <a:t>10</a:t>
+            </a:fld>
+            <a:endParaRPr lang="en-US"/>
+          </a:p>
+        </p:txBody>
+      </p:sp>
+      <p:sp>
+        <p:nvSpPr>
+          <p:cNvPr id="5" name="Content Placeholder 4"/>
+          <p:cNvSpPr>
+            <a:spLocks noGrp="1"/>
+          </p:cNvSpPr>
+          <p:nvPr>
+            <p:ph sz="quarter" idx="1"/>
+          </p:nvPr>
+        </p:nvSpPr>
+        <p:spPr/>
+        <p:txBody>
+          <a:bodyPr/>
+          <a:lstStyle/>
+          <a:p>
+            <a:r>
+              <a:rPr lang="en-US" dirty="0" smtClean="0"/>
+              <a:t>The access token is not sent back to the browser</a:t>
+            </a:r>
+          </a:p>
+          <a:p>
+            <a:r>
+              <a:rPr lang="en-US" dirty="0" smtClean="0"/>
+              <a:t>Usually is saved into server side session state</a:t>
+            </a:r>
+          </a:p>
+          <a:p>
+            <a:r>
+              <a:rPr lang="en-US" dirty="0" smtClean="0"/>
+              <a:t>Therefore is considered the most secured approach</a:t>
+            </a:r>
+          </a:p>
+          <a:p>
+            <a:r>
+              <a:rPr lang="en-US" dirty="0" smtClean="0"/>
+              <a:t>The authorization server may return a refresh token</a:t>
+            </a:r>
+            <a:endParaRPr lang="en-US" dirty="0"/>
+          </a:p>
+        </p:txBody>
+      </p:sp>
+    </p:spTree>
+    <p:extLst>
+      <p:ext uri="{BB962C8B-B14F-4D97-AF65-F5344CB8AC3E}">
+        <p14:creationId xmlns:p14="http://schemas.microsoft.com/office/powerpoint/2010/main" val="2055635969"/>
+      </p:ext>
+    </p:extLst>
+  </p:cSld>
+  <p:clrMapOvr>
+    <a:masterClrMapping/>
+  </p:clrMapOvr>
+</p:sld>
+</file>
+
+<file path=ppt/slides/slide11.xml><?xml version="1.0" encoding="utf-8"?>
+<p:sld xmlns:a="http://schemas.openxmlformats.org/drawingml/2006/main" xmlns:r="http://schemas.openxmlformats.org/officeDocument/2006/relationships" xmlns:p="http://schemas.openxmlformats.org/presentationml/2006/main">
+  <p:cSld>
+    <p:spTree>
+      <p:nvGrpSpPr>
+        <p:cNvPr id="1" name=""/>
+        <p:cNvGrpSpPr/>
+        <p:nvPr/>
+      </p:nvGrpSpPr>
+      <p:grpSpPr>
+        <a:xfrm>
+          <a:off x="0" y="0"/>
+          <a:ext cx="0" cy="0"/>
+          <a:chOff x="0" y="0"/>
+          <a:chExt cx="0" cy="0"/>
+        </a:xfrm>
+      </p:grpSpPr>
+      <p:sp>
+        <p:nvSpPr>
+          <p:cNvPr id="2" name="Title 1"/>
+          <p:cNvSpPr>
+            <a:spLocks noGrp="1"/>
+          </p:cNvSpPr>
+          <p:nvPr>
+            <p:ph type="title"/>
+          </p:nvPr>
+        </p:nvSpPr>
+        <p:spPr/>
+        <p:txBody>
+          <a:bodyPr/>
+          <a:lstStyle/>
+          <a:p>
+            <a:r>
+              <a:rPr lang="en-US" dirty="0" smtClean="0"/>
+              <a:t>DEMO</a:t>
+            </a:r>
+            <a:endParaRPr lang="en-US" dirty="0"/>
+          </a:p>
+        </p:txBody>
+      </p:sp>
+      <p:sp>
+        <p:nvSpPr>
+          <p:cNvPr id="3" name="Footer Placeholder 2"/>
+          <p:cNvSpPr>
+            <a:spLocks noGrp="1"/>
+          </p:cNvSpPr>
+          <p:nvPr>
+            <p:ph type="ftr" sz="quarter" idx="11"/>
+          </p:nvPr>
+        </p:nvSpPr>
+        <p:spPr/>
+        <p:txBody>
+          <a:bodyPr/>
+          <a:lstStyle/>
+          <a:p>
+            <a:r>
+              <a:rPr lang="en-US" smtClean="0"/>
+              <a:t>© 2016 Ori Calvo</a:t>
+            </a:r>
+            <a:endParaRPr lang="en-US" dirty="0"/>
+          </a:p>
+        </p:txBody>
+      </p:sp>
+      <p:sp>
+        <p:nvSpPr>
+          <p:cNvPr id="4" name="Slide Number Placeholder 3"/>
+          <p:cNvSpPr>
+            <a:spLocks noGrp="1"/>
+          </p:cNvSpPr>
+          <p:nvPr>
+            <p:ph type="sldNum" sz="quarter" idx="12"/>
+          </p:nvPr>
+        </p:nvSpPr>
+        <p:spPr/>
+        <p:txBody>
+          <a:bodyPr>
+            <a:normAutofit fontScale="85000" lnSpcReduction="20000"/>
+          </a:bodyPr>
+          <a:lstStyle/>
+          <a:p>
+            <a:fld id="{6EDEC3BC-0694-4586-AE63-02B4D54ABF43}" type="slidenum">
+              <a:rPr lang="en-US" smtClean="0"/>
+              <a:pPr/>
+              <a:t>11</a:t>
+            </a:fld>
+            <a:endParaRPr lang="en-US"/>
+          </a:p>
+        </p:txBody>
+      </p:sp>
+      <p:sp>
+        <p:nvSpPr>
+          <p:cNvPr id="5" name="Content Placeholder 4"/>
+          <p:cNvSpPr>
+            <a:spLocks noGrp="1"/>
+          </p:cNvSpPr>
+          <p:nvPr>
+            <p:ph sz="quarter" idx="1"/>
+          </p:nvPr>
+        </p:nvSpPr>
+        <p:spPr/>
+        <p:txBody>
+          <a:bodyPr/>
+          <a:lstStyle/>
+          <a:p>
+            <a:r>
+              <a:rPr lang="en-US" dirty="0" smtClean="0"/>
+              <a:t>Build an authorization server using OWIN middleware</a:t>
+            </a:r>
+          </a:p>
+          <a:p>
+            <a:r>
+              <a:rPr lang="en-US" dirty="0" smtClean="0"/>
+              <a:t>Build a simple web site which authenticate against the authorization server</a:t>
+            </a:r>
+            <a:endParaRPr lang="en-US" dirty="0"/>
+          </a:p>
+        </p:txBody>
+      </p:sp>
+    </p:spTree>
+    <p:extLst>
+      <p:ext uri="{BB962C8B-B14F-4D97-AF65-F5344CB8AC3E}">
+        <p14:creationId xmlns:p14="http://schemas.microsoft.com/office/powerpoint/2010/main" val="3293583462"/>
+      </p:ext>
+    </p:extLst>
+  </p:cSld>
+  <p:clrMapOvr>
+    <a:masterClrMapping/>
+  </p:clrMapOvr>
+</p:sld>
+</file>
+
+<file path=ppt/slides/slide12.xml><?xml version="1.0" encoding="utf-8"?>
+<p:sld xmlns:a="http://schemas.openxmlformats.org/drawingml/2006/main" xmlns:r="http://schemas.openxmlformats.org/officeDocument/2006/relationships" xmlns:p="http://schemas.openxmlformats.org/presentationml/2006/main">
+  <p:cSld>
+    <p:spTree>
+      <p:nvGrpSpPr>
+        <p:cNvPr id="1" name=""/>
+        <p:cNvGrpSpPr/>
+        <p:nvPr/>
+      </p:nvGrpSpPr>
+      <p:grpSpPr>
+        <a:xfrm>
+          <a:off x="0" y="0"/>
+          <a:ext cx="0" cy="0"/>
+          <a:chOff x="0" y="0"/>
+          <a:chExt cx="0" cy="0"/>
+        </a:xfrm>
+      </p:grpSpPr>
+      <p:sp>
+        <p:nvSpPr>
+          <p:cNvPr id="2" name="Title 1"/>
+          <p:cNvSpPr>
+            <a:spLocks noGrp="1"/>
+          </p:cNvSpPr>
+          <p:nvPr>
+            <p:ph type="title"/>
+          </p:nvPr>
+        </p:nvSpPr>
+        <p:spPr/>
+        <p:txBody>
+          <a:bodyPr/>
+          <a:lstStyle/>
+          <a:p>
+            <a:r>
+              <a:rPr lang="en-US" dirty="0" smtClean="0"/>
+              <a:t>Implicit Grant</a:t>
+            </a:r>
+            <a:endParaRPr lang="en-US" dirty="0"/>
+          </a:p>
+        </p:txBody>
+      </p:sp>
+      <p:sp>
+        <p:nvSpPr>
+          <p:cNvPr id="3" name="Footer Placeholder 2"/>
+          <p:cNvSpPr>
+            <a:spLocks noGrp="1"/>
+          </p:cNvSpPr>
+          <p:nvPr>
+            <p:ph type="ftr" sz="quarter" idx="11"/>
+          </p:nvPr>
+        </p:nvSpPr>
+        <p:spPr/>
+        <p:txBody>
+          <a:bodyPr/>
+          <a:lstStyle/>
+          <a:p>
+            <a:r>
+              <a:rPr lang="en-US" smtClean="0"/>
+              <a:t>© 2016 Ori Calvo</a:t>
+            </a:r>
+            <a:endParaRPr lang="en-US" dirty="0"/>
+          </a:p>
+        </p:txBody>
+      </p:sp>
+      <p:sp>
+        <p:nvSpPr>
+          <p:cNvPr id="4" name="Slide Number Placeholder 3"/>
+          <p:cNvSpPr>
+            <a:spLocks noGrp="1"/>
+          </p:cNvSpPr>
+          <p:nvPr>
+            <p:ph type="sldNum" sz="quarter" idx="12"/>
+          </p:nvPr>
+        </p:nvSpPr>
+        <p:spPr/>
+        <p:txBody>
+          <a:bodyPr>
+            <a:normAutofit fontScale="85000" lnSpcReduction="20000"/>
+          </a:bodyPr>
+          <a:lstStyle/>
+          <a:p>
+            <a:fld id="{6EDEC3BC-0694-4586-AE63-02B4D54ABF43}" type="slidenum">
+              <a:rPr lang="en-US" smtClean="0"/>
+              <a:pPr/>
+              <a:t>12</a:t>
+            </a:fld>
+            <a:endParaRPr lang="en-US"/>
+          </a:p>
+        </p:txBody>
+      </p:sp>
+      <p:sp>
+        <p:nvSpPr>
+          <p:cNvPr id="5" name="Content Placeholder 4"/>
+          <p:cNvSpPr>
+            <a:spLocks noGrp="1"/>
+          </p:cNvSpPr>
+          <p:nvPr>
+            <p:ph sz="quarter" idx="1"/>
+          </p:nvPr>
+        </p:nvSpPr>
+        <p:spPr/>
+        <p:txBody>
+          <a:bodyPr/>
+          <a:lstStyle/>
+          <a:p>
+            <a:r>
+              <a:rPr lang="en-US" dirty="0" smtClean="0"/>
+              <a:t>SPA (Angular) wants to obtain information about the user</a:t>
+            </a:r>
+          </a:p>
+          <a:p>
+            <a:r>
+              <a:rPr lang="en-US" dirty="0" smtClean="0"/>
+              <a:t>Browser is redirected to the Authentication server</a:t>
+            </a:r>
+          </a:p>
+          <a:p>
+            <a:r>
+              <a:rPr lang="en-US" dirty="0" smtClean="0"/>
+              <a:t>User logins and consents</a:t>
+            </a:r>
+          </a:p>
+          <a:p>
+            <a:r>
+              <a:rPr lang="en-US" dirty="0" smtClean="0"/>
+              <a:t>Authorization server redirect to the SPA with the access token in the URI fragment</a:t>
+            </a:r>
+          </a:p>
+          <a:p>
+            <a:pPr lvl="1"/>
+            <a:r>
+              <a:rPr lang="en-US" dirty="0" smtClean="0"/>
+              <a:t>http://myspa.com/oauthcallback#access_token=123</a:t>
+            </a:r>
+            <a:endParaRPr lang="en-US" dirty="0"/>
+          </a:p>
+        </p:txBody>
+      </p:sp>
+    </p:spTree>
+    <p:extLst>
+      <p:ext uri="{BB962C8B-B14F-4D97-AF65-F5344CB8AC3E}">
+        <p14:creationId xmlns:p14="http://schemas.microsoft.com/office/powerpoint/2010/main" val="2714877514"/>
+      </p:ext>
+    </p:extLst>
+  </p:cSld>
+  <p:clrMapOvr>
+    <a:masterClrMapping/>
+  </p:clrMapOvr>
+</p:sld>
+</file>
+
+<file path=ppt/slides/slide13.xml><?xml version="1.0" encoding="utf-8"?>
+<p:sld xmlns:a="http://schemas.openxmlformats.org/drawingml/2006/main" xmlns:r="http://schemas.openxmlformats.org/officeDocument/2006/relationships" xmlns:p="http://schemas.openxmlformats.org/presentationml/2006/main">
+  <p:cSld>
+    <p:spTree>
+      <p:nvGrpSpPr>
+        <p:cNvPr id="1" name=""/>
+        <p:cNvGrpSpPr/>
+        <p:nvPr/>
+      </p:nvGrpSpPr>
+      <p:grpSpPr>
+        <a:xfrm>
+          <a:off x="0" y="0"/>
+          <a:ext cx="0" cy="0"/>
+          <a:chOff x="0" y="0"/>
+          <a:chExt cx="0" cy="0"/>
+        </a:xfrm>
+      </p:grpSpPr>
+      <p:sp>
+        <p:nvSpPr>
+          <p:cNvPr id="2" name="Title 1"/>
+          <p:cNvSpPr>
+            <a:spLocks noGrp="1"/>
+          </p:cNvSpPr>
+          <p:nvPr>
+            <p:ph type="title"/>
+          </p:nvPr>
+        </p:nvSpPr>
+        <p:spPr/>
+        <p:txBody>
+          <a:bodyPr/>
+          <a:lstStyle/>
+          <a:p>
+            <a:r>
+              <a:rPr lang="en-US" dirty="0" smtClean="0"/>
+              <a:t>DEMO</a:t>
+            </a:r>
+            <a:endParaRPr lang="en-US" dirty="0"/>
+          </a:p>
+        </p:txBody>
+      </p:sp>
+      <p:sp>
+        <p:nvSpPr>
+          <p:cNvPr id="3" name="Footer Placeholder 2"/>
+          <p:cNvSpPr>
+            <a:spLocks noGrp="1"/>
+          </p:cNvSpPr>
+          <p:nvPr>
+            <p:ph type="ftr" sz="quarter" idx="11"/>
+          </p:nvPr>
+        </p:nvSpPr>
+        <p:spPr/>
+        <p:txBody>
+          <a:bodyPr/>
+          <a:lstStyle/>
+          <a:p>
+            <a:r>
+              <a:rPr lang="en-US" smtClean="0"/>
+              <a:t>© 2016 Ori Calvo</a:t>
+            </a:r>
+            <a:endParaRPr lang="en-US" dirty="0"/>
+          </a:p>
+        </p:txBody>
+      </p:sp>
+      <p:sp>
+        <p:nvSpPr>
+          <p:cNvPr id="4" name="Slide Number Placeholder 3"/>
+          <p:cNvSpPr>
+            <a:spLocks noGrp="1"/>
+          </p:cNvSpPr>
+          <p:nvPr>
+            <p:ph type="sldNum" sz="quarter" idx="12"/>
+          </p:nvPr>
+        </p:nvSpPr>
+        <p:spPr/>
+        <p:txBody>
+          <a:bodyPr>
+            <a:normAutofit fontScale="85000" lnSpcReduction="20000"/>
+          </a:bodyPr>
+          <a:lstStyle/>
+          <a:p>
+            <a:fld id="{6EDEC3BC-0694-4586-AE63-02B4D54ABF43}" type="slidenum">
+              <a:rPr lang="en-US" smtClean="0"/>
+              <a:pPr/>
+              <a:t>13</a:t>
+            </a:fld>
+            <a:endParaRPr lang="en-US"/>
+          </a:p>
+        </p:txBody>
+      </p:sp>
+      <p:sp>
+        <p:nvSpPr>
+          <p:cNvPr id="5" name="Content Placeholder 4"/>
+          <p:cNvSpPr>
+            <a:spLocks noGrp="1"/>
+          </p:cNvSpPr>
+          <p:nvPr>
+            <p:ph sz="quarter" idx="1"/>
+          </p:nvPr>
+        </p:nvSpPr>
+        <p:spPr/>
+        <p:txBody>
+          <a:bodyPr/>
+          <a:lstStyle/>
+          <a:p>
+            <a:r>
+              <a:rPr lang="en-US" dirty="0" smtClean="0"/>
+              <a:t>Build SPA (Angular 4) which authenticate against the authentication server</a:t>
+            </a:r>
+            <a:endParaRPr lang="en-US" dirty="0"/>
+          </a:p>
+        </p:txBody>
+      </p:sp>
+    </p:spTree>
+    <p:extLst>
+      <p:ext uri="{BB962C8B-B14F-4D97-AF65-F5344CB8AC3E}">
+        <p14:creationId xmlns:p14="http://schemas.microsoft.com/office/powerpoint/2010/main" val="4042469223"/>
+      </p:ext>
+    </p:extLst>
+  </p:cSld>
+  <p:clrMapOvr>
+    <a:masterClrMapping/>
+  </p:clrMapOvr>
+</p:sld>
+</file>
+
+<file path=ppt/slides/slide14.xml><?xml version="1.0" encoding="utf-8"?>
+<p:sld xmlns:a="http://schemas.openxmlformats.org/drawingml/2006/main" xmlns:r="http://schemas.openxmlformats.org/officeDocument/2006/relationships" xmlns:p="http://schemas.openxmlformats.org/presentationml/2006/main">
+  <p:cSld>
+    <p:spTree>
+      <p:nvGrpSpPr>
+        <p:cNvPr id="1" name=""/>
+        <p:cNvGrpSpPr/>
+        <p:nvPr/>
+      </p:nvGrpSpPr>
+      <p:grpSpPr>
+        <a:xfrm>
+          <a:off x="0" y="0"/>
+          <a:ext cx="0" cy="0"/>
+          <a:chOff x="0" y="0"/>
+          <a:chExt cx="0" cy="0"/>
+        </a:xfrm>
+      </p:grpSpPr>
+      <p:sp>
+        <p:nvSpPr>
+          <p:cNvPr id="2" name="Title 1"/>
+          <p:cNvSpPr>
+            <a:spLocks noGrp="1"/>
+          </p:cNvSpPr>
+          <p:nvPr>
+            <p:ph type="title"/>
+          </p:nvPr>
+        </p:nvSpPr>
+        <p:spPr/>
+        <p:txBody>
+          <a:bodyPr/>
+          <a:lstStyle/>
+          <a:p>
+            <a:r>
+              <a:rPr lang="en-US" dirty="0" smtClean="0"/>
+              <a:t>Resource Owner Credential Grant </a:t>
+            </a:r>
+            <a:endParaRPr lang="en-US" dirty="0"/>
+          </a:p>
+        </p:txBody>
+      </p:sp>
+      <p:sp>
+        <p:nvSpPr>
+          <p:cNvPr id="3" name="Footer Placeholder 2"/>
+          <p:cNvSpPr>
+            <a:spLocks noGrp="1"/>
+          </p:cNvSpPr>
+          <p:nvPr>
+            <p:ph type="ftr" sz="quarter" idx="11"/>
+          </p:nvPr>
+        </p:nvSpPr>
+        <p:spPr/>
+        <p:txBody>
+          <a:bodyPr/>
+          <a:lstStyle/>
+          <a:p>
+            <a:r>
+              <a:rPr lang="en-US" smtClean="0"/>
+              <a:t>© 2016 Ori Calvo</a:t>
+            </a:r>
+            <a:endParaRPr lang="en-US" dirty="0"/>
+          </a:p>
+        </p:txBody>
+      </p:sp>
+      <p:sp>
+        <p:nvSpPr>
+          <p:cNvPr id="4" name="Slide Number Placeholder 3"/>
+          <p:cNvSpPr>
+            <a:spLocks noGrp="1"/>
+          </p:cNvSpPr>
+          <p:nvPr>
+            <p:ph type="sldNum" sz="quarter" idx="12"/>
+          </p:nvPr>
+        </p:nvSpPr>
+        <p:spPr/>
+        <p:txBody>
+          <a:bodyPr>
+            <a:normAutofit fontScale="85000" lnSpcReduction="20000"/>
+          </a:bodyPr>
+          <a:lstStyle/>
+          <a:p>
+            <a:fld id="{6EDEC3BC-0694-4586-AE63-02B4D54ABF43}" type="slidenum">
+              <a:rPr lang="en-US" smtClean="0"/>
+              <a:pPr/>
+              <a:t>14</a:t>
+            </a:fld>
+            <a:endParaRPr lang="en-US"/>
+          </a:p>
+        </p:txBody>
+      </p:sp>
+      <p:sp>
+        <p:nvSpPr>
+          <p:cNvPr id="5" name="Content Placeholder 4"/>
+          <p:cNvSpPr>
+            <a:spLocks noGrp="1"/>
+          </p:cNvSpPr>
+          <p:nvPr>
+            <p:ph sz="quarter" idx="1"/>
+          </p:nvPr>
+        </p:nvSpPr>
+        <p:spPr/>
+        <p:txBody>
+          <a:bodyPr/>
+          <a:lstStyle/>
+          <a:p>
+            <a:r>
+              <a:rPr lang="en-US" dirty="0" smtClean="0"/>
+              <a:t>The client and authorization server are part of the same authority</a:t>
+            </a:r>
+          </a:p>
+          <a:p>
+            <a:r>
+              <a:rPr lang="en-US" dirty="0" smtClean="0"/>
+              <a:t>The client asks for credentials </a:t>
+            </a:r>
+          </a:p>
+          <a:p>
+            <a:r>
+              <a:rPr lang="en-US" dirty="0" smtClean="0"/>
+              <a:t>Credentials are send to the authorization server</a:t>
+            </a:r>
+          </a:p>
+          <a:p>
+            <a:r>
+              <a:rPr lang="en-US" dirty="0" smtClean="0"/>
+              <a:t>Access token is sent back</a:t>
+            </a:r>
+          </a:p>
+          <a:p>
+            <a:r>
+              <a:rPr lang="en-US" dirty="0" smtClean="0"/>
+              <a:t>Client uses the token</a:t>
+            </a:r>
+          </a:p>
+        </p:txBody>
+      </p:sp>
+    </p:spTree>
+    <p:extLst>
+      <p:ext uri="{BB962C8B-B14F-4D97-AF65-F5344CB8AC3E}">
+        <p14:creationId xmlns:p14="http://schemas.microsoft.com/office/powerpoint/2010/main" val="386344637"/>
+      </p:ext>
+    </p:extLst>
+  </p:cSld>
+  <p:clrMapOvr>
+    <a:masterClrMapping/>
+  </p:clrMapOvr>
+</p:sld>
+</file>
+
+<file path=ppt/slides/slide15.xml><?xml version="1.0" encoding="utf-8"?>
+<p:sld xmlns:a="http://schemas.openxmlformats.org/drawingml/2006/main" xmlns:r="http://schemas.openxmlformats.org/officeDocument/2006/relationships" xmlns:p="http://schemas.openxmlformats.org/presentationml/2006/main">
+  <p:cSld>
+    <p:spTree>
+      <p:nvGrpSpPr>
+        <p:cNvPr id="1" name=""/>
+        <p:cNvGrpSpPr/>
+        <p:nvPr/>
+      </p:nvGrpSpPr>
+      <p:grpSpPr>
+        <a:xfrm>
+          <a:off x="0" y="0"/>
+          <a:ext cx="0" cy="0"/>
+          <a:chOff x="0" y="0"/>
+          <a:chExt cx="0" cy="0"/>
+        </a:xfrm>
+      </p:grpSpPr>
+      <p:sp>
+        <p:nvSpPr>
+          <p:cNvPr id="2" name="Title 1"/>
+          <p:cNvSpPr>
+            <a:spLocks noGrp="1"/>
+          </p:cNvSpPr>
+          <p:nvPr>
+            <p:ph type="title"/>
+          </p:nvPr>
+        </p:nvSpPr>
+        <p:spPr/>
+        <p:txBody>
+          <a:bodyPr/>
+          <a:lstStyle/>
+          <a:p>
+            <a:r>
+              <a:rPr lang="en-US" dirty="0" smtClean="0"/>
+              <a:t>Client Credential Grant</a:t>
+            </a:r>
+            <a:endParaRPr lang="en-US" dirty="0"/>
+          </a:p>
+        </p:txBody>
+      </p:sp>
+      <p:sp>
+        <p:nvSpPr>
+          <p:cNvPr id="3" name="Footer Placeholder 2"/>
+          <p:cNvSpPr>
+            <a:spLocks noGrp="1"/>
+          </p:cNvSpPr>
+          <p:nvPr>
+            <p:ph type="ftr" sz="quarter" idx="11"/>
+          </p:nvPr>
+        </p:nvSpPr>
+        <p:spPr/>
+        <p:txBody>
+          <a:bodyPr/>
+          <a:lstStyle/>
+          <a:p>
+            <a:r>
+              <a:rPr lang="en-US" smtClean="0"/>
+              <a:t>© 2016 Ori Calvo</a:t>
+            </a:r>
+            <a:endParaRPr lang="en-US" dirty="0"/>
+          </a:p>
+        </p:txBody>
+      </p:sp>
+      <p:sp>
+        <p:nvSpPr>
+          <p:cNvPr id="4" name="Slide Number Placeholder 3"/>
+          <p:cNvSpPr>
+            <a:spLocks noGrp="1"/>
+          </p:cNvSpPr>
+          <p:nvPr>
+            <p:ph type="sldNum" sz="quarter" idx="12"/>
+          </p:nvPr>
+        </p:nvSpPr>
+        <p:spPr/>
+        <p:txBody>
+          <a:bodyPr>
+            <a:normAutofit fontScale="85000" lnSpcReduction="20000"/>
+          </a:bodyPr>
+          <a:lstStyle/>
+          <a:p>
+            <a:fld id="{6EDEC3BC-0694-4586-AE63-02B4D54ABF43}" type="slidenum">
+              <a:rPr lang="en-US" smtClean="0"/>
+              <a:pPr/>
+              <a:t>15</a:t>
+            </a:fld>
+            <a:endParaRPr lang="en-US"/>
+          </a:p>
+        </p:txBody>
+      </p:sp>
+      <p:sp>
+        <p:nvSpPr>
+          <p:cNvPr id="5" name="Content Placeholder 4"/>
+          <p:cNvSpPr>
+            <a:spLocks noGrp="1"/>
+          </p:cNvSpPr>
+          <p:nvPr>
+            <p:ph sz="quarter" idx="1"/>
+          </p:nvPr>
+        </p:nvSpPr>
+        <p:spPr/>
+        <p:txBody>
+          <a:bodyPr/>
+          <a:lstStyle/>
+          <a:p>
+            <a:r>
+              <a:rPr lang="en-US" dirty="0" smtClean="0"/>
+              <a:t>A website stores its data at Google Cloud Storage</a:t>
+            </a:r>
+          </a:p>
+          <a:p>
+            <a:r>
+              <a:rPr lang="en-US" dirty="0" smtClean="0"/>
+              <a:t>The web site authenticate using client id &amp; client secret</a:t>
+            </a:r>
+          </a:p>
+          <a:p>
+            <a:pPr lvl="1"/>
+            <a:r>
+              <a:rPr lang="en-US" dirty="0" smtClean="0"/>
+              <a:t>No credentials as no end user is involved</a:t>
+            </a:r>
+          </a:p>
+          <a:p>
+            <a:r>
+              <a:rPr lang="en-US" dirty="0" smtClean="0"/>
+              <a:t>Access token is sent back from the authorization server</a:t>
+            </a:r>
+            <a:endParaRPr lang="en-US" dirty="0"/>
+          </a:p>
+        </p:txBody>
+      </p:sp>
+    </p:spTree>
+    <p:extLst>
+      <p:ext uri="{BB962C8B-B14F-4D97-AF65-F5344CB8AC3E}">
+        <p14:creationId xmlns:p14="http://schemas.microsoft.com/office/powerpoint/2010/main" val="2499393344"/>
+      </p:ext>
+    </p:extLst>
+  </p:cSld>
+  <p:clrMapOvr>
+    <a:masterClrMapping/>
+  </p:clrMapOvr>
+</p:sld>
+</file>
+
+<file path=ppt/slides/slide16.xml><?xml version="1.0" encoding="utf-8"?>
+<p:sld xmlns:a="http://schemas.openxmlformats.org/drawingml/2006/main" xmlns:r="http://schemas.openxmlformats.org/officeDocument/2006/relationships" xmlns:p="http://schemas.openxmlformats.org/presentationml/2006/main">
+  <p:cSld>
+    <p:spTree>
+      <p:nvGrpSpPr>
+        <p:cNvPr id="1" name=""/>
+        <p:cNvGrpSpPr/>
+        <p:nvPr/>
+      </p:nvGrpSpPr>
+      <p:grpSpPr>
+        <a:xfrm>
+          <a:off x="0" y="0"/>
+          <a:ext cx="0" cy="0"/>
+          <a:chOff x="0" y="0"/>
+          <a:chExt cx="0" cy="0"/>
+        </a:xfrm>
+      </p:grpSpPr>
+      <p:sp>
+        <p:nvSpPr>
+          <p:cNvPr id="2" name="Title 1"/>
+          <p:cNvSpPr>
+            <a:spLocks noGrp="1"/>
+          </p:cNvSpPr>
+          <p:nvPr>
+            <p:ph type="title"/>
+          </p:nvPr>
+        </p:nvSpPr>
+        <p:spPr/>
+        <p:txBody>
+          <a:bodyPr/>
+          <a:lstStyle/>
+          <a:p>
+            <a:r>
+              <a:rPr lang="en-US" dirty="0" smtClean="0"/>
+              <a:t>Vulnerabilities</a:t>
+            </a:r>
+            <a:endParaRPr lang="en-US" dirty="0"/>
+          </a:p>
+        </p:txBody>
+      </p:sp>
+      <p:sp>
+        <p:nvSpPr>
+          <p:cNvPr id="3" name="Footer Placeholder 2"/>
+          <p:cNvSpPr>
+            <a:spLocks noGrp="1"/>
+          </p:cNvSpPr>
+          <p:nvPr>
+            <p:ph type="ftr" sz="quarter" idx="11"/>
+          </p:nvPr>
+        </p:nvSpPr>
+        <p:spPr/>
+        <p:txBody>
+          <a:bodyPr/>
+          <a:lstStyle/>
+          <a:p>
+            <a:r>
+              <a:rPr lang="en-US" smtClean="0"/>
+              <a:t>© 2016 Ori Calvo</a:t>
+            </a:r>
+            <a:endParaRPr lang="en-US" dirty="0"/>
+          </a:p>
+        </p:txBody>
+      </p:sp>
+      <p:sp>
+        <p:nvSpPr>
+          <p:cNvPr id="4" name="Slide Number Placeholder 3"/>
+          <p:cNvSpPr>
+            <a:spLocks noGrp="1"/>
+          </p:cNvSpPr>
+          <p:nvPr>
+            <p:ph type="sldNum" sz="quarter" idx="12"/>
+          </p:nvPr>
+        </p:nvSpPr>
+        <p:spPr/>
+        <p:txBody>
+          <a:bodyPr>
+            <a:normAutofit fontScale="85000" lnSpcReduction="20000"/>
+          </a:bodyPr>
+          <a:lstStyle/>
+          <a:p>
+            <a:fld id="{6EDEC3BC-0694-4586-AE63-02B4D54ABF43}" type="slidenum">
+              <a:rPr lang="en-US" smtClean="0"/>
+              <a:pPr/>
+              <a:t>16</a:t>
+            </a:fld>
+            <a:endParaRPr lang="en-US"/>
+          </a:p>
+        </p:txBody>
+      </p:sp>
+      <p:sp>
+        <p:nvSpPr>
+          <p:cNvPr id="5" name="Content Placeholder 4"/>
+          <p:cNvSpPr>
+            <a:spLocks noGrp="1"/>
+          </p:cNvSpPr>
+          <p:nvPr>
+            <p:ph sz="quarter" idx="1"/>
+          </p:nvPr>
+        </p:nvSpPr>
+        <p:spPr/>
+        <p:txBody>
+          <a:bodyPr/>
+          <a:lstStyle/>
+          <a:p>
+            <a:r>
+              <a:rPr lang="en-US" dirty="0" smtClean="0"/>
+              <a:t>CSRF</a:t>
+            </a:r>
+          </a:p>
+          <a:p>
+            <a:r>
+              <a:rPr lang="en-US" dirty="0" smtClean="0"/>
+              <a:t>Validating token</a:t>
+            </a:r>
+          </a:p>
+          <a:p>
+            <a:r>
+              <a:rPr lang="en-US" dirty="0" smtClean="0"/>
+              <a:t>Clickjacking</a:t>
+            </a:r>
+          </a:p>
+          <a:p>
+            <a:endParaRPr lang="en-US" dirty="0"/>
+          </a:p>
+        </p:txBody>
+      </p:sp>
+    </p:spTree>
+    <p:extLst>
+      <p:ext uri="{BB962C8B-B14F-4D97-AF65-F5344CB8AC3E}">
+        <p14:creationId xmlns:p14="http://schemas.microsoft.com/office/powerpoint/2010/main" val="589479648"/>
+      </p:ext>
+    </p:extLst>
+  </p:cSld>
+  <p:clrMapOvr>
+    <a:masterClrMapping/>
+  </p:clrMapOvr>
+</p:sld>
+</file>
+
+<file path=ppt/slides/slide17.xml><?xml version="1.0" encoding="utf-8"?>
+<p:sld xmlns:a="http://schemas.openxmlformats.org/drawingml/2006/main" xmlns:r="http://schemas.openxmlformats.org/officeDocument/2006/relationships" xmlns:p="http://schemas.openxmlformats.org/presentationml/2006/main">
+  <p:cSld>
+    <p:spTree>
+      <p:nvGrpSpPr>
+        <p:cNvPr id="1" name=""/>
+        <p:cNvGrpSpPr/>
+        <p:nvPr/>
+      </p:nvGrpSpPr>
+      <p:grpSpPr>
+        <a:xfrm>
+          <a:off x="0" y="0"/>
+          <a:ext cx="0" cy="0"/>
+          <a:chOff x="0" y="0"/>
+          <a:chExt cx="0" cy="0"/>
+        </a:xfrm>
+      </p:grpSpPr>
+      <p:sp>
+        <p:nvSpPr>
+          <p:cNvPr id="2" name="Title 1"/>
+          <p:cNvSpPr>
+            <a:spLocks noGrp="1"/>
+          </p:cNvSpPr>
+          <p:nvPr>
+            <p:ph type="title"/>
+          </p:nvPr>
+        </p:nvSpPr>
+        <p:spPr/>
+        <p:txBody>
+          <a:bodyPr/>
+          <a:lstStyle/>
+          <a:p>
+            <a:r>
+              <a:rPr lang="en-US" dirty="0" smtClean="0"/>
+              <a:t>Summary</a:t>
+            </a:r>
+            <a:endParaRPr lang="en-US" dirty="0"/>
+          </a:p>
+        </p:txBody>
+      </p:sp>
+      <p:sp>
+        <p:nvSpPr>
+          <p:cNvPr id="3" name="Footer Placeholder 2"/>
+          <p:cNvSpPr>
+            <a:spLocks noGrp="1"/>
+          </p:cNvSpPr>
+          <p:nvPr>
+            <p:ph type="ftr" sz="quarter" idx="11"/>
+          </p:nvPr>
+        </p:nvSpPr>
+        <p:spPr/>
+        <p:txBody>
+          <a:bodyPr/>
+          <a:lstStyle/>
+          <a:p>
+            <a:r>
+              <a:rPr lang="en-US" smtClean="0"/>
+              <a:t>© 2016 Ori Calvo</a:t>
+            </a:r>
+            <a:endParaRPr lang="en-US" dirty="0"/>
+          </a:p>
+        </p:txBody>
+      </p:sp>
+      <p:sp>
+        <p:nvSpPr>
+          <p:cNvPr id="4" name="Slide Number Placeholder 3"/>
+          <p:cNvSpPr>
+            <a:spLocks noGrp="1"/>
+          </p:cNvSpPr>
+          <p:nvPr>
+            <p:ph type="sldNum" sz="quarter" idx="12"/>
+          </p:nvPr>
+        </p:nvSpPr>
+        <p:spPr/>
+        <p:txBody>
+          <a:bodyPr>
+            <a:normAutofit fontScale="85000" lnSpcReduction="20000"/>
+          </a:bodyPr>
+          <a:lstStyle/>
+          <a:p>
+            <a:fld id="{6EDEC3BC-0694-4586-AE63-02B4D54ABF43}" type="slidenum">
+              <a:rPr lang="en-US" smtClean="0"/>
+              <a:pPr/>
+              <a:t>17</a:t>
+            </a:fld>
+            <a:endParaRPr lang="en-US"/>
+          </a:p>
+        </p:txBody>
+      </p:sp>
+      <p:sp>
+        <p:nvSpPr>
+          <p:cNvPr id="5" name="Content Placeholder 4"/>
+          <p:cNvSpPr>
+            <a:spLocks noGrp="1"/>
+          </p:cNvSpPr>
+          <p:nvPr>
+            <p:ph sz="quarter" idx="1"/>
+          </p:nvPr>
+        </p:nvSpPr>
+        <p:spPr/>
+        <p:txBody>
+          <a:bodyPr/>
+          <a:lstStyle/>
+          <a:p>
+            <a:r>
+              <a:rPr lang="en-US" dirty="0" smtClean="0"/>
+              <a:t>OAuth is simple</a:t>
+            </a:r>
+          </a:p>
+          <a:p>
+            <a:r>
+              <a:rPr lang="en-US" dirty="0" smtClean="0"/>
+              <a:t>Therefore very popular</a:t>
+            </a:r>
+          </a:p>
+          <a:p>
+            <a:r>
+              <a:rPr lang="en-US" dirty="0" smtClean="0"/>
+              <a:t>Allows for separation of entities</a:t>
+            </a:r>
+          </a:p>
+          <a:p>
+            <a:pPr lvl="1"/>
+            <a:r>
+              <a:rPr lang="en-US" dirty="0" smtClean="0"/>
+              <a:t>Authorization server</a:t>
+            </a:r>
+          </a:p>
+          <a:p>
+            <a:pPr lvl="1"/>
+            <a:r>
+              <a:rPr lang="en-US" dirty="0" smtClean="0"/>
+              <a:t>Resource server</a:t>
+            </a:r>
+          </a:p>
+          <a:p>
+            <a:pPr lvl="1"/>
+            <a:r>
+              <a:rPr lang="en-US" dirty="0" smtClean="0"/>
+              <a:t>Client</a:t>
+            </a:r>
+          </a:p>
+          <a:p>
+            <a:pPr lvl="1"/>
+            <a:r>
+              <a:rPr lang="en-US" dirty="0" smtClean="0"/>
+              <a:t>Resource owner</a:t>
+            </a:r>
+          </a:p>
+        </p:txBody>
+      </p:sp>
+    </p:spTree>
+    <p:extLst>
+      <p:ext uri="{BB962C8B-B14F-4D97-AF65-F5344CB8AC3E}">
+        <p14:creationId xmlns:p14="http://schemas.microsoft.com/office/powerpoint/2010/main" val="4212073804"/>
+      </p:ext>
+    </p:extLst>
+  </p:cSld>
+  <p:clrMapOvr>
+    <a:masterClrMapping/>
+  </p:clrMapOvr>
+</p:sld>
+</file>
+
 <file path=ppt/slides/slide2.xml><?xml version="1.0" encoding="utf-8"?>
 <p:sld xmlns:a="http://schemas.openxmlformats.org/drawingml/2006/main" xmlns:r="http://schemas.openxmlformats.org/officeDocument/2006/relationships" xmlns:p="http://schemas.openxmlformats.org/presentationml/2006/main">
   <p:cSld>
@@ -4476,6 +5629,17 @@
               <a:rPr lang="en-US" dirty="0"/>
               <a:t>Access is requested by client </a:t>
             </a:r>
+            <a:r>
+              <a:rPr lang="en-US" dirty="0" smtClean="0"/>
+              <a:t>(the application)</a:t>
+            </a:r>
+          </a:p>
+          <a:p>
+            <a:r>
+              <a:rPr lang="en-US" dirty="0" smtClean="0"/>
+              <a:t>The client does not get access to the credentials of the user</a:t>
+            </a:r>
+            <a:endParaRPr lang="en-US" dirty="0"/>
           </a:p>
         </p:txBody>
       </p:sp>
@@ -4596,27 +5760,86 @@
           <a:lstStyle/>
           <a:p>
             <a:r>
+              <a:rPr lang="en-US" dirty="0">
+                <a:solidFill>
+                  <a:srgbClr val="FF0000"/>
+                </a:solidFill>
+              </a:rPr>
+              <a:t>Resource owner </a:t>
+            </a:r>
+            <a:r>
               <a:rPr lang="en-US" dirty="0"/>
-              <a:t>Resource owner – Yourself</a:t>
-            </a:r>
-          </a:p>
-          <a:p>
+              <a:t>– </a:t>
+            </a:r>
+            <a:r>
+              <a:rPr lang="en-US" dirty="0" smtClean="0"/>
+              <a:t>End user</a:t>
+            </a:r>
+            <a:endParaRPr lang="en-US" dirty="0"/>
+          </a:p>
+          <a:p>
+            <a:r>
+              <a:rPr lang="en-US" dirty="0">
+                <a:solidFill>
+                  <a:srgbClr val="FF0000"/>
+                </a:solidFill>
+              </a:rPr>
+              <a:t>Resource server </a:t>
+            </a:r>
             <a:r>
               <a:rPr lang="en-US" dirty="0"/>
-              <a:t>Resource server – Server hosting protected data, (Google, Facebook)</a:t>
-            </a:r>
-          </a:p>
-          <a:p>
+              <a:t>– Server hosting protected </a:t>
+            </a:r>
+            <a:r>
+              <a:rPr lang="en-US" dirty="0" smtClean="0"/>
+              <a:t>data</a:t>
+            </a:r>
+            <a:endParaRPr lang="en-US" dirty="0"/>
+          </a:p>
+          <a:p>
+            <a:r>
+              <a:rPr lang="en-US" dirty="0">
+                <a:solidFill>
+                  <a:srgbClr val="FF0000"/>
+                </a:solidFill>
+              </a:rPr>
+              <a:t>Client</a:t>
+            </a:r>
             <a:r>
               <a:rPr lang="en-US" dirty="0"/>
-              <a:t>Client – Application requesting access to resource server (Web site, JavaScript, Mobile app</a:t>
-            </a:r>
-          </a:p>
-          <a:p>
+              <a:t> – Application requesting access to resource </a:t>
+            </a:r>
+            <a:r>
+              <a:rPr lang="en-US" dirty="0" smtClean="0"/>
+              <a:t>server</a:t>
+            </a:r>
+            <a:endParaRPr lang="en-US" dirty="0"/>
+          </a:p>
+          <a:p>
+            <a:r>
+              <a:rPr lang="en-US" dirty="0">
+                <a:solidFill>
+                  <a:srgbClr val="FF0000"/>
+                </a:solidFill>
+              </a:rPr>
+              <a:t>Authorization server </a:t>
+            </a:r>
             <a:r>
               <a:rPr lang="en-US" dirty="0"/>
-              <a:t>Authorization server – Server issuing access token to the client</a:t>
-            </a:r>
+              <a:t>– Server issuing access token to the </a:t>
+            </a:r>
+            <a:r>
+              <a:rPr lang="en-US" dirty="0" smtClean="0"/>
+              <a:t>client</a:t>
+            </a:r>
+          </a:p>
+          <a:p>
+            <a:pPr lvl="1"/>
+            <a:r>
+              <a:rPr lang="en-US" dirty="0" smtClean="0"/>
+              <a:t>The only entity that has access to the end user credentials</a:t>
+            </a:r>
+            <a:endParaRPr lang="en-US" dirty="0"/>
           </a:p>
         </p:txBody>
       </p:sp>
@@ -4738,13 +5961,32 @@
           <a:p>
             <a:r>
               <a:rPr lang="en-US" dirty="0"/>
-              <a:t>Random string generated by authorization server</a:t>
-            </a:r>
+              <a:t>Random string generated by authorization </a:t>
+            </a:r>
+            <a:r>
+              <a:rPr lang="en-US" dirty="0" smtClean="0"/>
+              <a:t>server</a:t>
+            </a:r>
+          </a:p>
+          <a:p>
+            <a:r>
+              <a:rPr lang="en-US" dirty="0" smtClean="0"/>
+              <a:t>Represent an authenticated end user</a:t>
+            </a:r>
+            <a:endParaRPr lang="en-US" dirty="0"/>
           </a:p>
           <a:p>
             <a:r>
               <a:rPr lang="en-US" dirty="0"/>
-              <a:t>Is sent by the client inside the request to the resource server</a:t>
+              <a:t>Is sent by the client </a:t>
+            </a:r>
+            <a:r>
+              <a:rPr lang="en-US" dirty="0" smtClean="0"/>
+              <a:t>to </a:t>
+            </a:r>
+            <a:r>
+              <a:rPr lang="en-US" dirty="0"/>
+              <a:t>the resource server</a:t>
             </a:r>
           </a:p>
           <a:p>
@@ -4878,9 +6120,24 @@
           <a:lstStyle/>
           <a:p>
             <a:r>
+              <a:rPr lang="en-US" dirty="0" smtClean="0"/>
+              <a:t>Optional feature</a:t>
+            </a:r>
+          </a:p>
+          <a:p>
+            <a:r>
+              <a:rPr lang="en-US" dirty="0" smtClean="0"/>
+              <a:t>Is </a:t>
+            </a:r>
+            <a:r>
               <a:rPr lang="en-US" dirty="0"/>
-              <a:t>Is issued with the access token</a:t>
-            </a:r>
+              <a:t>issued with the access </a:t>
+            </a:r>
+            <a:r>
+              <a:rPr lang="en-US" dirty="0" smtClean="0"/>
+              <a:t>token</a:t>
+            </a:r>
+            <a:endParaRPr lang="en-US" dirty="0"/>
           </a:p>
           <a:p>
             <a:r>
@@ -4891,14 +6148,23 @@
           <a:p>
             <a:r>
               <a:rPr lang="en-US" dirty="0"/>
-              <a:t>It is sent to the authorization server for renewing the access token</a:t>
-            </a:r>
-          </a:p>
-          <a:p>
+              <a:t>It is sent to the authorization server for renewing the access </a:t>
+            </a:r>
+            <a:r>
+              <a:rPr lang="en-US" dirty="0" smtClean="0"/>
+              <a:t>token</a:t>
+            </a:r>
+          </a:p>
+          <a:p>
+            <a:r>
+              <a:rPr lang="en-US" dirty="0" smtClean="0"/>
+              <a:t>Is used to implement a revocation mechanis</a:t>
+            </a:r>
             <a:r>
               <a:rPr lang="en-US" dirty="0"/>
-              <a:t>It is not always possible to obtain this token</a:t>
-            </a:r>
+              <a:t>m</a:t>
+            </a:r>
+            <a:endParaRPr lang="en-US" dirty="0"/>
           </a:p>
         </p:txBody>
       </p:sp>
@@ -5020,8 +6286,20 @@
           <a:p>
             <a:r>
               <a:rPr lang="en-US" dirty="0"/>
-              <a:t>A parameter used to limit the rights of the access token</a:t>
-            </a:r>
+              <a:t>A parameter used to limit the rights of the access </a:t>
+            </a:r>
+            <a:r>
+              <a:rPr lang="en-US" dirty="0" smtClean="0"/>
+              <a:t>token</a:t>
+            </a:r>
+          </a:p>
+          <a:p>
+            <a:pPr lvl="1"/>
+            <a:r>
+              <a:rPr lang="en-US" dirty="0" smtClean="0"/>
+              <a:t>For example, “ALLOW DELETE”, “ALLOW RENAME”</a:t>
+            </a:r>
+            <a:endParaRPr lang="en-US" dirty="0"/>
           </a:p>
           <a:p>
             <a:r>
@@ -5044,13 +6322,7 @@
               <a:rPr lang="en-US" dirty="0">
                 <a:sym typeface="Wingdings" panose="05000000000000000000" pitchFamily="2" charset="2"/>
               </a:rPr>
-              <a:t> less chance the </a:t>
-            </a:r>
-            <a:r>
-              <a:rPr lang="en-US">
-                <a:sym typeface="Wingdings" panose="05000000000000000000" pitchFamily="2" charset="2"/>
-              </a:rPr>
-              <a:t>resource owner </a:t>
+              <a:t> less chance the resource owner </a:t>
             </a:r>
             <a:endParaRPr lang="en-US" dirty="0"/>
           </a:p>
@@ -5091,7 +6363,7 @@
           <p:cNvPr id="2" name="Title 1">
             <a:extLst>
               <a:ext uri="{FF2B5EF4-FFF2-40B4-BE49-F238E27FC236}">
-                <a16:creationId xmlns:a16="http://schemas.microsoft.com/office/drawing/2014/main" id="{AC5EC40E-8B26-4DA9-85D9-81057B6D8343}"/>
+                <a16:creationId xmlns:a16="http://schemas.microsoft.com/office/drawing/2014/main" xmlns="" id="{AC5EC40E-8B26-4DA9-85D9-81057B6D8343}"/>
               </a:ext>
             </a:extLst>
           </p:cNvPr>
@@ -5120,7 +6392,7 @@
           <p:cNvPr id="3" name="Footer Placeholder 2">
             <a:extLst>
               <a:ext uri="{FF2B5EF4-FFF2-40B4-BE49-F238E27FC236}">
-                <a16:creationId xmlns:a16="http://schemas.microsoft.com/office/drawing/2014/main" id="{5253F3B5-2880-4720-87F4-F3D9478DD1B4}"/>
+                <a16:creationId xmlns:a16="http://schemas.microsoft.com/office/drawing/2014/main" xmlns="" id="{5253F3B5-2880-4720-87F4-F3D9478DD1B4}"/>
               </a:ext>
             </a:extLst>
           </p:cNvPr>
@@ -5149,7 +6421,7 @@
           <p:cNvPr id="4" name="Slide Number Placeholder 3">
             <a:extLst>
               <a:ext uri="{FF2B5EF4-FFF2-40B4-BE49-F238E27FC236}">
-                <a16:creationId xmlns:a16="http://schemas.microsoft.com/office/drawing/2014/main" id="{F24810CB-D6B4-4008-B139-06CB69785651}"/>
+                <a16:creationId xmlns:a16="http://schemas.microsoft.com/office/drawing/2014/main" xmlns="" id="{F24810CB-D6B4-4008-B139-06CB69785651}"/>
               </a:ext>
             </a:extLst>
           </p:cNvPr>
@@ -5181,7 +6453,7 @@
           <p:cNvPr id="5" name="Content Placeholder 4">
             <a:extLst>
               <a:ext uri="{FF2B5EF4-FFF2-40B4-BE49-F238E27FC236}">
-                <a16:creationId xmlns:a16="http://schemas.microsoft.com/office/drawing/2014/main" id="{BAEC9C22-09A2-413F-B439-AC7952D2AE41}"/>
+                <a16:creationId xmlns:a16="http://schemas.microsoft.com/office/drawing/2014/main" xmlns="" id="{BAEC9C22-09A2-413F-B439-AC7952D2AE41}"/>
               </a:ext>
             </a:extLst>
           </p:cNvPr>
@@ -5255,13 +6527,7 @@
       </p:grpSpPr>
       <p:sp>
         <p:nvSpPr>
-          <p:cNvPr id="2" name="Title 1">
-            <a:extLst>
-              <a:ext uri="{FF2B5EF4-FFF2-40B4-BE49-F238E27FC236}">
-                <a16:creationId xmlns:a16="http://schemas.microsoft.com/office/drawing/2014/main" id="{B59EB68A-2AC6-4A20-AF5E-A94D50E6DD5D}"/>
-              </a:ext>
-            </a:extLst>
-          </p:cNvPr>
+          <p:cNvPr id="2" name="Title 1"/>
           <p:cNvSpPr>
             <a:spLocks noGrp="1"/>
           </p:cNvSpPr>
@@ -5275,22 +6541,16 @@
           <a:lstStyle/>
           <a:p>
             <a:r>
-              <a:rPr lang="en-US" dirty="0"/>
-              <a:t>Registration</a:t>
-            </a:r>
-            <a:endParaRPr lang="he-IL" dirty="0"/>
-          </a:p>
-        </p:txBody>
-      </p:sp>
-      <p:sp>
-        <p:nvSpPr>
-          <p:cNvPr id="3" name="Footer Placeholder 2">
-            <a:extLst>
-              <a:ext uri="{FF2B5EF4-FFF2-40B4-BE49-F238E27FC236}">
-                <a16:creationId xmlns:a16="http://schemas.microsoft.com/office/drawing/2014/main" id="{5DEEB94C-B02C-404F-9DC3-56B7FF41645D}"/>
-              </a:ext>
-            </a:extLst>
-          </p:cNvPr>
+              <a:rPr lang="en-US" dirty="0" smtClean="0"/>
+              <a:t>Authorization Grant Types</a:t>
+            </a:r>
+            <a:endParaRPr lang="en-US" dirty="0"/>
+          </a:p>
+        </p:txBody>
+      </p:sp>
+      <p:sp>
+        <p:nvSpPr>
+          <p:cNvPr id="3" name="Footer Placeholder 2"/>
           <p:cNvSpPr>
             <a:spLocks noGrp="1"/>
           </p:cNvSpPr>
@@ -5304,7 +6564,7 @@
           <a:lstStyle/>
           <a:p>
             <a:r>
-              <a:rPr lang="en-US"/>
+              <a:rPr lang="en-US" smtClean="0"/>
               <a:t>© 2016 Ori Calvo</a:t>
             </a:r>
             <a:endParaRPr lang="en-US" dirty="0"/>
@@ -5313,13 +6573,7 @@
       </p:sp>
       <p:sp>
         <p:nvSpPr>
-          <p:cNvPr id="4" name="Slide Number Placeholder 3">
-            <a:extLst>
-              <a:ext uri="{FF2B5EF4-FFF2-40B4-BE49-F238E27FC236}">
-                <a16:creationId xmlns:a16="http://schemas.microsoft.com/office/drawing/2014/main" id="{EA7DCA32-4F2F-4168-9A7E-B0519961812B}"/>
-              </a:ext>
-            </a:extLst>
-          </p:cNvPr>
+          <p:cNvPr id="4" name="Slide Number Placeholder 3"/>
           <p:cNvSpPr>
             <a:spLocks noGrp="1"/>
           </p:cNvSpPr>
@@ -5345,13 +6599,7 @@
       </p:sp>
       <p:sp>
         <p:nvSpPr>
-          <p:cNvPr id="5" name="Content Placeholder 4">
-            <a:extLst>
-              <a:ext uri="{FF2B5EF4-FFF2-40B4-BE49-F238E27FC236}">
-                <a16:creationId xmlns:a16="http://schemas.microsoft.com/office/drawing/2014/main" id="{9BC0C487-7F6A-4DAA-BB1E-A3463C13ADED}"/>
-              </a:ext>
-            </a:extLst>
-          </p:cNvPr>
+          <p:cNvPr id="5" name="Content Placeholder 4"/>
           <p:cNvSpPr>
             <a:spLocks noGrp="1"/>
           </p:cNvSpPr>
@@ -5361,83 +6609,230 @@
         </p:nvSpPr>
         <p:spPr/>
         <p:txBody>
-          <a:bodyPr>
-            <a:normAutofit fontScale="92500" lnSpcReduction="10000"/>
-          </a:bodyPr>
-          <a:lstStyle/>
-          <a:p>
-            <a:r>
-              <a:rPr lang="en-US" dirty="0"/>
-              <a:t>Client must register at the authorization server</a:t>
-            </a:r>
-          </a:p>
-          <a:p>
-            <a:r>
-              <a:rPr lang="en-US" dirty="0"/>
-              <a:t>Each provider is free to allow its own method</a:t>
-            </a:r>
-          </a:p>
-          <a:p>
-            <a:r>
-              <a:rPr lang="en-US" dirty="0"/>
-              <a:t>Usually client provides</a:t>
+          <a:bodyPr/>
+          <a:lstStyle/>
+          <a:p>
+            <a:r>
+              <a:rPr lang="en-US" dirty="0" smtClean="0"/>
+              <a:t>OAuth supports different mode of operations</a:t>
             </a:r>
           </a:p>
           <a:p>
             <a:pPr lvl="1"/>
             <a:r>
-              <a:rPr lang="en-US" dirty="0"/>
-              <a:t>Name</a:t>
+              <a:rPr lang="en-US" dirty="0" smtClean="0"/>
+              <a:t>Code grant</a:t>
             </a:r>
           </a:p>
           <a:p>
             <a:pPr lvl="1"/>
             <a:r>
-              <a:rPr lang="en-US" dirty="0"/>
-              <a:t>Redirect URLs</a:t>
+              <a:rPr lang="en-US" dirty="0" smtClean="0"/>
+              <a:t>Implicit grant</a:t>
             </a:r>
           </a:p>
           <a:p>
             <a:pPr lvl="1"/>
             <a:r>
-              <a:rPr lang="en-US" dirty="0"/>
-              <a:t>Scopes</a:t>
+              <a:rPr lang="en-US" dirty="0" smtClean="0"/>
+              <a:t>Resource owner credential grant</a:t>
             </a:r>
           </a:p>
           <a:p>
             <a:pPr lvl="1"/>
             <a:r>
-              <a:rPr lang="en-US" dirty="0"/>
-              <a:t>JavaScript origin</a:t>
-            </a:r>
-          </a:p>
-          <a:p>
-            <a:r>
-              <a:rPr lang="en-US" dirty="0"/>
-              <a:t>Server responses with</a:t>
+              <a:rPr lang="en-US" dirty="0" smtClean="0"/>
+              <a:t>Client credentials grant</a:t>
+            </a:r>
+          </a:p>
+          <a:p>
+            <a:r>
+              <a:rPr lang="en-US" dirty="0" smtClean="0"/>
+              <a:t>The different MOO are described by the parameter</a:t>
             </a:r>
           </a:p>
           <a:p>
             <a:pPr lvl="1"/>
             <a:r>
-              <a:rPr lang="en-US" dirty="0"/>
-              <a:t>Client id</a:t>
-            </a:r>
+              <a:rPr lang="en-US" dirty="0" err="1" smtClean="0"/>
+              <a:t>response_type</a:t>
+            </a:r>
+            <a:endParaRPr lang="en-US" dirty="0" smtClean="0"/>
           </a:p>
           <a:p>
             <a:pPr lvl="1"/>
             <a:r>
-              <a:rPr lang="en-US" dirty="0"/>
-              <a:t>Client secret</a:t>
-            </a:r>
-            <a:endParaRPr lang="he-IL" dirty="0"/>
+              <a:rPr lang="en-US" dirty="0" err="1" smtClean="0"/>
+              <a:t>grant_type</a:t>
+            </a:r>
+            <a:endParaRPr lang="en-US" dirty="0" smtClean="0"/>
+          </a:p>
+          <a:p>
+            <a:endParaRPr lang="en-US" dirty="0"/>
           </a:p>
         </p:txBody>
       </p:sp>
     </p:spTree>
     <p:extLst>
       <p:ext uri="{BB962C8B-B14F-4D97-AF65-F5344CB8AC3E}">
-        <p14:creationId xmlns:p14="http://schemas.microsoft.com/office/powerpoint/2010/main" val="136954857"/>
+        <p14:creationId xmlns:p14="http://schemas.microsoft.com/office/powerpoint/2010/main" val="3292097340"/>
+      </p:ext>
+    </p:extLst>
+  </p:cSld>
+  <p:clrMapOvr>
+    <a:masterClrMapping/>
+  </p:clrMapOvr>
+</p:sld>
+</file>
+
+<file path=ppt/slides/slide9.xml><?xml version="1.0" encoding="utf-8"?>
+<p:sld xmlns:a="http://schemas.openxmlformats.org/drawingml/2006/main" xmlns:r="http://schemas.openxmlformats.org/officeDocument/2006/relationships" xmlns:p="http://schemas.openxmlformats.org/presentationml/2006/main">
+  <p:cSld>
+    <p:spTree>
+      <p:nvGrpSpPr>
+        <p:cNvPr id="1" name=""/>
+        <p:cNvGrpSpPr/>
+        <p:nvPr/>
+      </p:nvGrpSpPr>
+      <p:grpSpPr>
+        <a:xfrm>
+          <a:off x="0" y="0"/>
+          <a:ext cx="0" cy="0"/>
+          <a:chOff x="0" y="0"/>
+          <a:chExt cx="0" cy="0"/>
+        </a:xfrm>
+      </p:grpSpPr>
+      <p:sp>
+        <p:nvSpPr>
+          <p:cNvPr id="2" name="Title 1"/>
+          <p:cNvSpPr>
+            <a:spLocks noGrp="1"/>
+          </p:cNvSpPr>
+          <p:nvPr>
+            <p:ph type="title"/>
+          </p:nvPr>
+        </p:nvSpPr>
+        <p:spPr/>
+        <p:txBody>
+          <a:bodyPr/>
+          <a:lstStyle/>
+          <a:p>
+            <a:r>
+              <a:rPr lang="en-US" dirty="0" smtClean="0"/>
+              <a:t>Authorization Code Grant</a:t>
+            </a:r>
+            <a:endParaRPr lang="en-US" dirty="0"/>
+          </a:p>
+        </p:txBody>
+      </p:sp>
+      <p:sp>
+        <p:nvSpPr>
+          <p:cNvPr id="3" name="Footer Placeholder 2"/>
+          <p:cNvSpPr>
+            <a:spLocks noGrp="1"/>
+          </p:cNvSpPr>
+          <p:nvPr>
+            <p:ph type="ftr" sz="quarter" idx="11"/>
+          </p:nvPr>
+        </p:nvSpPr>
+        <p:spPr/>
+        <p:txBody>
+          <a:bodyPr/>
+          <a:lstStyle/>
+          <a:p>
+            <a:r>
+              <a:rPr lang="en-US" smtClean="0"/>
+              <a:t>© 2016 Ori Calvo</a:t>
+            </a:r>
+            <a:endParaRPr lang="en-US" dirty="0"/>
+          </a:p>
+        </p:txBody>
+      </p:sp>
+      <p:sp>
+        <p:nvSpPr>
+          <p:cNvPr id="4" name="Slide Number Placeholder 3"/>
+          <p:cNvSpPr>
+            <a:spLocks noGrp="1"/>
+          </p:cNvSpPr>
+          <p:nvPr>
+            <p:ph type="sldNum" sz="quarter" idx="12"/>
+          </p:nvPr>
+        </p:nvSpPr>
+        <p:spPr/>
+        <p:txBody>
+          <a:bodyPr>
+            <a:normAutofit fontScale="85000" lnSpcReduction="20000"/>
+          </a:bodyPr>
+          <a:lstStyle/>
+          <a:p>
+            <a:fld id="{6EDEC3BC-0694-4586-AE63-02B4D54ABF43}" type="slidenum">
+              <a:rPr lang="en-US" smtClean="0"/>
+              <a:pPr/>
+              <a:t>9</a:t>
+            </a:fld>
+            <a:endParaRPr lang="en-US"/>
+          </a:p>
+        </p:txBody>
+      </p:sp>
+      <p:sp>
+        <p:nvSpPr>
+          <p:cNvPr id="5" name="Content Placeholder 4"/>
+          <p:cNvSpPr>
+            <a:spLocks noGrp="1"/>
+          </p:cNvSpPr>
+          <p:nvPr>
+            <p:ph sz="quarter" idx="1"/>
+          </p:nvPr>
+        </p:nvSpPr>
+        <p:spPr/>
+        <p:txBody>
+          <a:bodyPr/>
+          <a:lstStyle/>
+          <a:p>
+            <a:r>
+              <a:rPr lang="en-US" dirty="0" smtClean="0"/>
+              <a:t>A web site wants to obtain information from Google about a specific user</a:t>
+            </a:r>
+          </a:p>
+          <a:p>
+            <a:r>
+              <a:rPr lang="en-US" dirty="0" smtClean="0"/>
+              <a:t>The user is redirected to the authorization server</a:t>
+            </a:r>
+          </a:p>
+          <a:p>
+            <a:r>
+              <a:rPr lang="en-US" dirty="0" smtClean="0"/>
+              <a:t>The user logins &amp; consents</a:t>
+            </a:r>
+          </a:p>
+          <a:p>
+            <a:r>
+              <a:rPr lang="en-US" dirty="0" smtClean="0"/>
+              <a:t>Authorization server redirects back to the web site with an authorization code</a:t>
+            </a:r>
+          </a:p>
+          <a:p>
+            <a:r>
+              <a:rPr lang="en-US" dirty="0" smtClean="0"/>
+              <a:t>The code is exchanged with an access token</a:t>
+            </a:r>
+          </a:p>
+          <a:p>
+            <a:r>
+              <a:rPr lang="en-US" dirty="0" smtClean="0"/>
+              <a:t>The web site has no access to the resource</a:t>
+            </a:r>
+          </a:p>
+          <a:p>
+            <a:endParaRPr lang="en-US" dirty="0"/>
+          </a:p>
+        </p:txBody>
+      </p:sp>
+    </p:spTree>
+    <p:extLst>
+      <p:ext uri="{BB962C8B-B14F-4D97-AF65-F5344CB8AC3E}">
+        <p14:creationId xmlns:p14="http://schemas.microsoft.com/office/powerpoint/2010/main" val="1491056731"/>
       </p:ext>
     </p:extLst>
   </p:cSld>
